--- a/PythonBootCamp/SlideShow/Section03-PythonObjectandDataStructureBasics/19. PrintFormattingwithStrings.pptx
+++ b/PythonBootCamp/SlideShow/Section03-PythonObjectandDataStructureBasics/19. PrintFormattingwithStrings.pptx
@@ -5,12 +5,13 @@
     <p:sldMasterId id="2147483648" r:id="rId1"/>
   </p:sldMasterIdLst>
   <p:notesMasterIdLst>
-    <p:notesMasterId r:id="rId5"/>
+    <p:notesMasterId r:id="rId6"/>
   </p:notesMasterIdLst>
   <p:sldIdLst>
     <p:sldId id="291" r:id="rId2"/>
     <p:sldId id="292" r:id="rId3"/>
     <p:sldId id="293" r:id="rId4"/>
+    <p:sldId id="314" r:id="rId5"/>
   </p:sldIdLst>
   <p:sldSz cx="12192000" cy="6858000"/>
   <p:notesSz cx="6858000" cy="9144000"/>
@@ -109,6 +110,11 @@
       </a:defRPr>
     </a:lvl9pPr>
   </p:defaultTextStyle>
+  <p:extLst>
+    <p:ext uri="{EFAFB233-063F-42B5-8137-9DF3F51BA10A}">
+      <p15:sldGuideLst xmlns:p15="http://schemas.microsoft.com/office/powerpoint/2012/main"/>
+    </p:ext>
+  </p:extLst>
 </p:presentation>
 </file>
 
@@ -730,6 +736,110 @@
       <p:sp>
         <p:nvSpPr>
           <p:cNvPr id="332" name="Google Shape;332;g31dbb14eee_0_19:notes"/>
+          <p:cNvSpPr txBox="1">
+            <a:spLocks noGrp="1"/>
+          </p:cNvSpPr>
+          <p:nvPr>
+            <p:ph type="body" idx="1"/>
+          </p:nvPr>
+        </p:nvSpPr>
+        <p:spPr>
+          <a:xfrm>
+            <a:off x="685800" y="4343400"/>
+            <a:ext cx="5486400" cy="4114800"/>
+          </a:xfrm>
+          <a:prstGeom prst="rect">
+            <a:avLst/>
+          </a:prstGeom>
+        </p:spPr>
+        <p:txBody>
+          <a:bodyPr spcFirstLastPara="1" wrap="square" lIns="91425" tIns="91425" rIns="91425" bIns="91425" anchor="t" anchorCtr="0">
+            <a:noAutofit/>
+          </a:bodyPr>
+          <a:lstStyle/>
+          <a:p>
+            <a:pPr marL="0" lvl="0" indent="0" algn="l" rtl="0">
+              <a:spcBef>
+                <a:spcPts val="0"/>
+              </a:spcBef>
+              <a:spcAft>
+                <a:spcPts val="0"/>
+              </a:spcAft>
+              <a:buNone/>
+            </a:pPr>
+            <a:endParaRPr/>
+          </a:p>
+        </p:txBody>
+      </p:sp>
+    </p:spTree>
+  </p:cSld>
+  <p:clrMapOvr>
+    <a:masterClrMapping/>
+  </p:clrMapOvr>
+</p:notes>
+</file>
+
+<file path=ppt/notesSlides/notesSlide4.xml><?xml version="1.0" encoding="utf-8"?>
+<p:notes xmlns:a="http://schemas.openxmlformats.org/drawingml/2006/main" xmlns:r="http://schemas.openxmlformats.org/officeDocument/2006/relationships" xmlns:p="http://schemas.openxmlformats.org/presentationml/2006/main" showMasterSp="0" showMasterPhAnim="0">
+  <p:cSld>
+    <p:spTree>
+      <p:nvGrpSpPr>
+        <p:cNvPr id="1" name="Shape 232"/>
+        <p:cNvGrpSpPr/>
+        <p:nvPr/>
+      </p:nvGrpSpPr>
+      <p:grpSpPr>
+        <a:xfrm>
+          <a:off x="0" y="0"/>
+          <a:ext cx="0" cy="0"/>
+          <a:chOff x="0" y="0"/>
+          <a:chExt cx="0" cy="0"/>
+        </a:xfrm>
+      </p:grpSpPr>
+      <p:sp>
+        <p:nvSpPr>
+          <p:cNvPr id="233" name="Google Shape;233;g30caef2083_0_595:notes"/>
+          <p:cNvSpPr>
+            <a:spLocks noGrp="1" noRot="1" noChangeAspect="1"/>
+          </p:cNvSpPr>
+          <p:nvPr>
+            <p:ph type="sldImg" idx="2"/>
+          </p:nvPr>
+        </p:nvSpPr>
+        <p:spPr>
+          <a:xfrm>
+            <a:off x="381000" y="685800"/>
+            <a:ext cx="6096000" cy="3429000"/>
+          </a:xfrm>
+          <a:custGeom>
+            <a:avLst/>
+            <a:gdLst/>
+            <a:ahLst/>
+            <a:cxnLst/>
+            <a:rect l="l" t="t" r="r" b="b"/>
+            <a:pathLst>
+              <a:path w="120000" h="120000" extrusionOk="0">
+                <a:moveTo>
+                  <a:pt x="0" y="0"/>
+                </a:moveTo>
+                <a:lnTo>
+                  <a:pt x="120000" y="0"/>
+                </a:lnTo>
+                <a:lnTo>
+                  <a:pt x="120000" y="120000"/>
+                </a:lnTo>
+                <a:lnTo>
+                  <a:pt x="0" y="120000"/>
+                </a:lnTo>
+                <a:close/>
+              </a:path>
+            </a:pathLst>
+          </a:custGeom>
+        </p:spPr>
+      </p:sp>
+      <p:sp>
+        <p:nvSpPr>
+          <p:cNvPr id="234" name="Google Shape;234;g30caef2083_0_595:notes"/>
           <p:cNvSpPr txBox="1">
             <a:spLocks noGrp="1"/>
           </p:cNvSpPr>
@@ -5221,6 +5331,175 @@
           </a:ln>
         </p:spPr>
       </p:pic>
+    </p:spTree>
+  </p:cSld>
+  <p:clrMapOvr>
+    <a:masterClrMapping/>
+  </p:clrMapOvr>
+</p:sld>
+</file>
+
+<file path=ppt/slides/slide4.xml><?xml version="1.0" encoding="utf-8"?>
+<p:sld xmlns:a="http://schemas.openxmlformats.org/drawingml/2006/main" xmlns:r="http://schemas.openxmlformats.org/officeDocument/2006/relationships" xmlns:p="http://schemas.openxmlformats.org/presentationml/2006/main">
+  <p:cSld>
+    <p:spTree>
+      <p:nvGrpSpPr>
+        <p:cNvPr id="1" name="Shape 235"/>
+        <p:cNvGrpSpPr/>
+        <p:nvPr/>
+      </p:nvGrpSpPr>
+      <p:grpSpPr>
+        <a:xfrm>
+          <a:off x="0" y="0"/>
+          <a:ext cx="0" cy="0"/>
+          <a:chOff x="0" y="0"/>
+          <a:chExt cx="0" cy="0"/>
+        </a:xfrm>
+      </p:grpSpPr>
+      <p:sp>
+        <p:nvSpPr>
+          <p:cNvPr id="236" name="Google Shape;236;p37"/>
+          <p:cNvSpPr txBox="1">
+            <a:spLocks noGrp="1"/>
+          </p:cNvSpPr>
+          <p:nvPr>
+            <p:ph type="ctrTitle"/>
+          </p:nvPr>
+        </p:nvSpPr>
+        <p:spPr>
+          <a:xfrm>
+            <a:off x="415600" y="2060601"/>
+            <a:ext cx="11360800" cy="961569"/>
+          </a:xfrm>
+          <a:prstGeom prst="rect">
+            <a:avLst/>
+          </a:prstGeom>
+        </p:spPr>
+        <p:txBody>
+          <a:bodyPr spcFirstLastPara="1" vert="horz" wrap="square" lIns="121900" tIns="121900" rIns="121900" bIns="121900" rtlCol="0" anchor="b" anchorCtr="0">
+            <a:noAutofit/>
+          </a:bodyPr>
+          <a:lstStyle/>
+          <a:p>
+            <a:r>
+              <a:rPr lang="en" b="1" dirty="0">
+                <a:latin typeface="Montserrat"/>
+                <a:ea typeface="Montserrat"/>
+                <a:cs typeface="Montserrat"/>
+                <a:sym typeface="Montserrat"/>
+              </a:rPr>
+              <a:t>Let’s explore these</a:t>
+            </a:r>
+            <a:endParaRPr b="1" dirty="0">
+              <a:latin typeface="Montserrat"/>
+              <a:ea typeface="Montserrat"/>
+              <a:cs typeface="Montserrat"/>
+              <a:sym typeface="Montserrat"/>
+            </a:endParaRPr>
+          </a:p>
+        </p:txBody>
+      </p:sp>
+      <p:pic>
+        <p:nvPicPr>
+          <p:cNvPr id="237" name="Google Shape;237;p37" descr="watermark.jpg"/>
+          <p:cNvPicPr preferRelativeResize="0"/>
+          <p:nvPr/>
+        </p:nvPicPr>
+        <p:blipFill rotWithShape="1">
+          <a:blip r:embed="rId3">
+            <a:alphaModFix/>
+          </a:blip>
+          <a:srcRect l="51048" t="14424" r="35216" b="38251"/>
+          <a:stretch/>
+        </p:blipFill>
+        <p:spPr>
+          <a:xfrm>
+            <a:off x="203203" y="203200"/>
+            <a:ext cx="1186700" cy="1145968"/>
+          </a:xfrm>
+          <a:prstGeom prst="rect">
+            <a:avLst/>
+          </a:prstGeom>
+          <a:noFill/>
+          <a:ln>
+            <a:noFill/>
+          </a:ln>
+        </p:spPr>
+      </p:pic>
+      <p:pic>
+        <p:nvPicPr>
+          <p:cNvPr id="238" name="Google Shape;238;p37" descr="watermark.jpg"/>
+          <p:cNvPicPr preferRelativeResize="0"/>
+          <p:nvPr/>
+        </p:nvPicPr>
+        <p:blipFill rotWithShape="1">
+          <a:blip r:embed="rId3">
+            <a:alphaModFix/>
+          </a:blip>
+          <a:srcRect l="-230" t="8854" r="230" b="38442"/>
+          <a:stretch/>
+        </p:blipFill>
+        <p:spPr>
+          <a:xfrm>
+            <a:off x="-101597" y="6401833"/>
+            <a:ext cx="3087761" cy="456168"/>
+          </a:xfrm>
+          <a:prstGeom prst="rect">
+            <a:avLst/>
+          </a:prstGeom>
+          <a:noFill/>
+          <a:ln>
+            <a:noFill/>
+          </a:ln>
+        </p:spPr>
+      </p:pic>
+      <p:sp>
+        <p:nvSpPr>
+          <p:cNvPr id="2" name="TextBox 1">
+            <a:extLst>
+              <a:ext uri="{FF2B5EF4-FFF2-40B4-BE49-F238E27FC236}">
+                <a16:creationId xmlns:a16="http://schemas.microsoft.com/office/drawing/2014/main" id="{2E6F5CD9-D9A7-6C27-82BD-BFA1EDBD57A0}"/>
+              </a:ext>
+            </a:extLst>
+          </p:cNvPr>
+          <p:cNvSpPr txBox="1"/>
+          <p:nvPr/>
+        </p:nvSpPr>
+        <p:spPr>
+          <a:xfrm>
+            <a:off x="285861" y="4182767"/>
+            <a:ext cx="11490540" cy="830997"/>
+          </a:xfrm>
+          <a:prstGeom prst="rect">
+            <a:avLst/>
+          </a:prstGeom>
+          <a:noFill/>
+        </p:spPr>
+        <p:txBody>
+          <a:bodyPr wrap="square" rtlCol="0">
+            <a:spAutoFit/>
+          </a:bodyPr>
+          <a:lstStyle/>
+          <a:p>
+            <a:pPr algn="ctr"/>
+            <a:r>
+              <a:rPr lang="en-US" sz="2400" b="1" i="1" dirty="0">
+                <a:solidFill>
+                  <a:srgbClr val="0070C0"/>
+                </a:solidFill>
+                <a:highlight>
+                  <a:srgbClr val="FFFF00"/>
+                </a:highlight>
+                <a:latin typeface="Montserrat"/>
+                <a:ea typeface="Montserrat"/>
+                <a:cs typeface="Montserrat"/>
+                <a:sym typeface="Montserrat"/>
+              </a:rPr>
+              <a:t>[SEE VIDEO FOR  STRING FORMATTING FOR PRINTING UNDERSTANDING IN JUPYTER]</a:t>
+            </a:r>
+          </a:p>
+        </p:txBody>
+      </p:sp>
     </p:spTree>
   </p:cSld>
   <p:clrMapOvr>
